--- a/DéfiESP.pptx
+++ b/DéfiESP.pptx
@@ -9789,7 +9789,7 @@
           <a:p>
             <a:fld id="{ED291B17-9318-49DB-B28B-6E5994AE9581}" type="datetime1">
               <a:rPr lang="en-US" smtClean="0"/>
-              <a:t>5/19/2020</a:t>
+              <a:t>5/25/2020</a:t>
             </a:fld>
             <a:endParaRPr lang="en-US" dirty="0"/>
           </a:p>
@@ -9992,7 +9992,7 @@
           <a:p>
             <a:fld id="{2CED4963-E985-44C4-B8C4-FDD613B7C2F8}" type="datetime1">
               <a:rPr lang="en-US" smtClean="0"/>
-              <a:t>5/19/2020</a:t>
+              <a:t>5/25/2020</a:t>
             </a:fld>
             <a:endParaRPr lang="en-US" dirty="0"/>
           </a:p>
@@ -10354,7 +10354,7 @@
           <a:p>
             <a:fld id="{ED291B17-9318-49DB-B28B-6E5994AE9581}" type="datetime1">
               <a:rPr lang="en-US" smtClean="0"/>
-              <a:t>5/19/2020</a:t>
+              <a:t>5/25/2020</a:t>
             </a:fld>
             <a:endParaRPr lang="en-US" dirty="0"/>
           </a:p>
@@ -10552,7 +10552,7 @@
           <a:p>
             <a:fld id="{78DD82B9-B8EE-4375-B6FF-88FA6ABB15D9}" type="datetime1">
               <a:rPr lang="en-US" smtClean="0"/>
-              <a:t>5/19/2020</a:t>
+              <a:t>5/25/2020</a:t>
             </a:fld>
             <a:endParaRPr lang="en-US" dirty="0"/>
           </a:p>
@@ -10864,7 +10864,7 @@
           <a:p>
             <a:fld id="{B2497495-0637-405E-AE64-5CC7506D51F5}" type="datetime1">
               <a:rPr lang="en-US" smtClean="0"/>
-              <a:t>5/19/2020</a:t>
+              <a:t>5/25/2020</a:t>
             </a:fld>
             <a:endParaRPr lang="en-US" dirty="0"/>
           </a:p>
@@ -11117,7 +11117,7 @@
           <a:p>
             <a:fld id="{7BFFD690-9426-415D-8B65-26881E07B2D4}" type="datetime1">
               <a:rPr lang="en-US" smtClean="0"/>
-              <a:t>5/19/2020</a:t>
+              <a:t>5/25/2020</a:t>
             </a:fld>
             <a:endParaRPr lang="en-US" dirty="0"/>
           </a:p>
@@ -11539,7 +11539,7 @@
           <a:p>
             <a:fld id="{04C4989A-474C-40DE-95B9-011C28B71673}" type="datetime1">
               <a:rPr lang="en-US" smtClean="0"/>
-              <a:t>5/19/2020</a:t>
+              <a:t>5/25/2020</a:t>
             </a:fld>
             <a:endParaRPr lang="en-US" dirty="0"/>
           </a:p>
@@ -11662,7 +11662,7 @@
           <a:p>
             <a:fld id="{5DB4ED54-5B5E-4A04-93D3-5772E3CE3818}" type="datetime1">
               <a:rPr lang="en-US" smtClean="0"/>
-              <a:t>5/19/2020</a:t>
+              <a:t>5/25/2020</a:t>
             </a:fld>
             <a:endParaRPr lang="en-US" dirty="0"/>
           </a:p>
@@ -11757,7 +11757,7 @@
           <a:p>
             <a:fld id="{4EDE50D6-574B-40AF-946F-D52A04ADE379}" type="datetime1">
               <a:rPr lang="en-US" smtClean="0"/>
-              <a:t>5/19/2020</a:t>
+              <a:t>5/25/2020</a:t>
             </a:fld>
             <a:endParaRPr lang="en-US" dirty="0"/>
           </a:p>
@@ -12134,7 +12134,7 @@
           <a:p>
             <a:fld id="{D82884F1-FFEA-405F-9602-3DCA865EDA4E}" type="datetime1">
               <a:rPr lang="en-US" smtClean="0"/>
-              <a:t>5/19/2020</a:t>
+              <a:t>5/25/2020</a:t>
             </a:fld>
             <a:endParaRPr lang="en-US" dirty="0"/>
           </a:p>
@@ -12427,7 +12427,7 @@
           <a:p>
             <a:fld id="{7E18DB4A-8810-4A10-AD5C-D5E2C667F5B3}" type="datetime1">
               <a:rPr lang="en-US" smtClean="0"/>
-              <a:t>5/19/2020</a:t>
+              <a:t>5/25/2020</a:t>
             </a:fld>
             <a:endParaRPr lang="en-US" dirty="0"/>
           </a:p>
@@ -12642,7 +12642,7 @@
           <a:p>
             <a:fld id="{ED291B17-9318-49DB-B28B-6E5994AE9581}" type="datetime1">
               <a:rPr lang="en-US" smtClean="0"/>
-              <a:t>5/19/2020</a:t>
+              <a:t>5/25/2020</a:t>
             </a:fld>
             <a:endParaRPr lang="en-US" dirty="0"/>
           </a:p>
@@ -16079,7 +16079,7 @@
       </p:sp>
       <p:pic>
         <p:nvPicPr>
-          <p:cNvPr id="7" name="Graphic 6" descr="Breakfast">
+          <p:cNvPr id="7" name="Graphic 6" descr="Playbook">
             <a:extLst>
               <a:ext uri="{FF2B5EF4-FFF2-40B4-BE49-F238E27FC236}">
                 <a16:creationId xmlns:a16="http://schemas.microsoft.com/office/drawing/2014/main" id="{E43BEBE5-E7DC-4815-8DCB-0EB68F342732}"/>
@@ -16094,17 +16094,13 @@
         <p:blipFill>
           <a:blip r:embed="rId2">
             <a:extLst>
-              <a:ext uri="{28A0092B-C50C-407E-A947-70E740481C1C}">
-                <a14:useLocalDpi xmlns:a14="http://schemas.microsoft.com/office/drawing/2010/main" val="0"/>
-              </a:ext>
               <a:ext uri="{96DAC541-7B7A-43D3-8B79-37D633B846F1}">
                 <asvg:svgBlip xmlns:asvg="http://schemas.microsoft.com/office/drawing/2016/SVG/main" r:embed="rId3"/>
               </a:ext>
             </a:extLst>
           </a:blip>
-          <a:stretch>
-            <a:fillRect/>
-          </a:stretch>
+          <a:srcRect/>
+          <a:stretch/>
         </p:blipFill>
         <p:spPr>
           <a:xfrm>
@@ -18003,15 +17999,6 @@
 </file>
 
 <file path=customXml/item2.xml><?xml version="1.0" encoding="utf-8"?>
-<?mso-contentType ?>
-<FormTemplates xmlns="http://schemas.microsoft.com/sharepoint/v3/contenttype/forms">
-  <Display>DocumentLibraryForm</Display>
-  <Edit>DocumentLibraryForm</Edit>
-  <New>DocumentLibraryForm</New>
-</FormTemplates>
-</file>
-
-<file path=customXml/item3.xml><?xml version="1.0" encoding="utf-8"?>
 <ct:contentTypeSchema xmlns:ct="http://schemas.microsoft.com/office/2006/metadata/contentType" xmlns:ma="http://schemas.microsoft.com/office/2006/metadata/properties/metaAttributes" ct:_="" ma:_="" ma:contentTypeName="Document" ma:contentTypeID="0x01010079F111ED35F8CC479449609E8A0923A6" ma:contentTypeVersion="12" ma:contentTypeDescription="Create a new document." ma:contentTypeScope="" ma:versionID="a410dd7f93c95333ffa1b60ed6adedd1">
   <xsd:schema xmlns:xsd="http://www.w3.org/2001/XMLSchema" xmlns:xs="http://www.w3.org/2001/XMLSchema" xmlns:p="http://schemas.microsoft.com/office/2006/metadata/properties" xmlns:ns2="71af3243-3dd4-4a8d-8c0d-dd76da1f02a5" xmlns:ns3="16c05727-aa75-4e4a-9b5f-8a80a1165891" targetNamespace="http://schemas.microsoft.com/office/2006/metadata/properties" ma:root="true" ma:fieldsID="a936d9baba76aa3866493feff160faab" ns2:_="" ns3:_="">
     <xsd:import namespace="71af3243-3dd4-4a8d-8c0d-dd76da1f02a5"/>
@@ -18232,6 +18219,15 @@
 </ct:contentTypeSchema>
 </file>
 
+<file path=customXml/item3.xml><?xml version="1.0" encoding="utf-8"?>
+<?mso-contentType ?>
+<FormTemplates xmlns="http://schemas.microsoft.com/sharepoint/v3/contenttype/forms">
+  <Display>DocumentLibraryForm</Display>
+  <Edit>DocumentLibraryForm</Edit>
+  <New>DocumentLibraryForm</New>
+</FormTemplates>
+</file>
+
 <file path=customXml/itemProps1.xml><?xml version="1.0" encoding="utf-8"?>
 <ds:datastoreItem xmlns:ds="http://schemas.openxmlformats.org/officeDocument/2006/customXml" ds:itemID="{8D289AE2-D2AE-49D1-AFAC-3A79F6794255}">
   <ds:schemaRefs>
@@ -18243,14 +18239,6 @@
 </file>
 
 <file path=customXml/itemProps2.xml><?xml version="1.0" encoding="utf-8"?>
-<ds:datastoreItem xmlns:ds="http://schemas.openxmlformats.org/officeDocument/2006/customXml" ds:itemID="{927BD4C1-B6B1-4715-ABF9-E660A51A4EA0}">
-  <ds:schemaRefs>
-    <ds:schemaRef ds:uri="http://schemas.microsoft.com/sharepoint/v3/contenttype/forms"/>
-  </ds:schemaRefs>
-</ds:datastoreItem>
-</file>
-
-<file path=customXml/itemProps3.xml><?xml version="1.0" encoding="utf-8"?>
 <ds:datastoreItem xmlns:ds="http://schemas.openxmlformats.org/officeDocument/2006/customXml" ds:itemID="{41E7CA09-9778-4414-AE97-8064B12DA30E}">
   <ds:schemaRefs>
     <ds:schemaRef ds:uri="http://schemas.microsoft.com/office/2006/metadata/contentType"/>
@@ -18267,4 +18255,12 @@
     <ds:schemaRef ds:uri="http://schemas.microsoft.com/internal/obd"/>
   </ds:schemaRefs>
 </ds:datastoreItem>
+</file>
+
+<file path=customXml/itemProps3.xml><?xml version="1.0" encoding="utf-8"?>
+<ds:datastoreItem xmlns:ds="http://schemas.openxmlformats.org/officeDocument/2006/customXml" ds:itemID="{927BD4C1-B6B1-4715-ABF9-E660A51A4EA0}">
+  <ds:schemaRefs>
+    <ds:schemaRef ds:uri="http://schemas.microsoft.com/sharepoint/v3/contenttype/forms"/>
+  </ds:schemaRefs>
+</ds:datastoreItem>
 </file>